--- a/ppt 16-9/0415.传福音给万民听.pptx
+++ b/ppt 16-9/0415.传福音给万民听.pptx
@@ -129,7 +129,7 @@
           <p:cNvPr id="2" name="标题 1">
             <a:extLst>
               <a:ext uri="{FF2B5EF4-FFF2-40B4-BE49-F238E27FC236}">
-                <a16:creationId xmlns:a16="http://schemas.microsoft.com/office/drawing/2014/main" id="{C2BBAC94-0352-5DC8-064A-73F2CB1E8226}"/>
+                <a16:creationId xmlns:a16="http://schemas.microsoft.com/office/drawing/2014/main" id="{BB249CA7-5789-0080-30DD-F2BDCF585A58}"/>
               </a:ext>
             </a:extLst>
           </p:cNvPr>
@@ -166,7 +166,7 @@
           <p:cNvPr id="3" name="副标题 2">
             <a:extLst>
               <a:ext uri="{FF2B5EF4-FFF2-40B4-BE49-F238E27FC236}">
-                <a16:creationId xmlns:a16="http://schemas.microsoft.com/office/drawing/2014/main" id="{CECFE2B1-1727-DCEA-BE62-6F639FE9397B}"/>
+                <a16:creationId xmlns:a16="http://schemas.microsoft.com/office/drawing/2014/main" id="{A0FF0DAE-7BE9-59C1-8AD3-471D0E0DFB62}"/>
               </a:ext>
             </a:extLst>
           </p:cNvPr>
@@ -236,7 +236,7 @@
           <p:cNvPr id="4" name="日期占位符 3">
             <a:extLst>
               <a:ext uri="{FF2B5EF4-FFF2-40B4-BE49-F238E27FC236}">
-                <a16:creationId xmlns:a16="http://schemas.microsoft.com/office/drawing/2014/main" id="{C6909530-7422-6235-613A-4242839E405A}"/>
+                <a16:creationId xmlns:a16="http://schemas.microsoft.com/office/drawing/2014/main" id="{5A31FB86-750E-8B22-A951-0E814F655530}"/>
               </a:ext>
             </a:extLst>
           </p:cNvPr>
@@ -252,7 +252,7 @@
           <a:bodyPr/>
           <a:lstStyle/>
           <a:p>
-            <a:fld id="{B75C913C-A5D3-4AC5-8B81-3A90D6E1D8BF}" type="datetimeFigureOut">
+            <a:fld id="{96EEC886-9506-4088-B362-842096EBC2E3}" type="datetimeFigureOut">
               <a:rPr lang="zh-CN" altLang="en-US" smtClean="0"/>
               <a:t>2024/3/10</a:t>
             </a:fld>
@@ -265,7 +265,7 @@
           <p:cNvPr id="5" name="页脚占位符 4">
             <a:extLst>
               <a:ext uri="{FF2B5EF4-FFF2-40B4-BE49-F238E27FC236}">
-                <a16:creationId xmlns:a16="http://schemas.microsoft.com/office/drawing/2014/main" id="{69FF2D85-6E09-C7A0-0CBB-C8F038DADCF5}"/>
+                <a16:creationId xmlns:a16="http://schemas.microsoft.com/office/drawing/2014/main" id="{7487E092-DF1C-FD29-49BA-87FE05CB69E9}"/>
               </a:ext>
             </a:extLst>
           </p:cNvPr>
@@ -290,7 +290,7 @@
           <p:cNvPr id="6" name="灯片编号占位符 5">
             <a:extLst>
               <a:ext uri="{FF2B5EF4-FFF2-40B4-BE49-F238E27FC236}">
-                <a16:creationId xmlns:a16="http://schemas.microsoft.com/office/drawing/2014/main" id="{E9BB616B-BB0C-E8D1-F9DE-684DE1B0B12B}"/>
+                <a16:creationId xmlns:a16="http://schemas.microsoft.com/office/drawing/2014/main" id="{1568BF0F-D0AF-EBF0-B85A-40E4064CCD47}"/>
               </a:ext>
             </a:extLst>
           </p:cNvPr>
@@ -306,7 +306,7 @@
           <a:bodyPr/>
           <a:lstStyle/>
           <a:p>
-            <a:fld id="{2122470B-03C8-4559-A076-0D7DE2FC1447}" type="slidenum">
+            <a:fld id="{20C75835-88F8-405F-8895-88E550F564BE}" type="slidenum">
               <a:rPr lang="zh-CN" altLang="en-US" smtClean="0"/>
               <a:t>‹#›</a:t>
             </a:fld>
@@ -317,7 +317,7 @@
     </p:spTree>
     <p:extLst>
       <p:ext uri="{BB962C8B-B14F-4D97-AF65-F5344CB8AC3E}">
-        <p14:creationId xmlns:p14="http://schemas.microsoft.com/office/powerpoint/2010/main" val="3530606709"/>
+        <p14:creationId xmlns:p14="http://schemas.microsoft.com/office/powerpoint/2010/main" val="2221348550"/>
       </p:ext>
     </p:extLst>
   </p:cSld>
@@ -349,7 +349,7 @@
           <p:cNvPr id="2" name="标题 1">
             <a:extLst>
               <a:ext uri="{FF2B5EF4-FFF2-40B4-BE49-F238E27FC236}">
-                <a16:creationId xmlns:a16="http://schemas.microsoft.com/office/drawing/2014/main" id="{9AF92B00-82E7-48EE-4B8C-17853A42E2D5}"/>
+                <a16:creationId xmlns:a16="http://schemas.microsoft.com/office/drawing/2014/main" id="{20F1AB23-0CBD-E6F0-AA9D-D949C3BF3788}"/>
               </a:ext>
             </a:extLst>
           </p:cNvPr>
@@ -377,7 +377,7 @@
           <p:cNvPr id="3" name="竖排文字占位符 2">
             <a:extLst>
               <a:ext uri="{FF2B5EF4-FFF2-40B4-BE49-F238E27FC236}">
-                <a16:creationId xmlns:a16="http://schemas.microsoft.com/office/drawing/2014/main" id="{14BC575B-9434-A1FF-FF4D-B1D524CCC288}"/>
+                <a16:creationId xmlns:a16="http://schemas.microsoft.com/office/drawing/2014/main" id="{4E1E8EFE-0B98-BD9C-CE8D-71BE4344C57E}"/>
               </a:ext>
             </a:extLst>
           </p:cNvPr>
@@ -434,7 +434,7 @@
           <p:cNvPr id="4" name="日期占位符 3">
             <a:extLst>
               <a:ext uri="{FF2B5EF4-FFF2-40B4-BE49-F238E27FC236}">
-                <a16:creationId xmlns:a16="http://schemas.microsoft.com/office/drawing/2014/main" id="{8A344770-EDF8-D575-7456-9556E503B8FA}"/>
+                <a16:creationId xmlns:a16="http://schemas.microsoft.com/office/drawing/2014/main" id="{D27E80BE-DAF9-CC34-D91D-B2CD8DBA8D8D}"/>
               </a:ext>
             </a:extLst>
           </p:cNvPr>
@@ -450,7 +450,7 @@
           <a:bodyPr/>
           <a:lstStyle/>
           <a:p>
-            <a:fld id="{B75C913C-A5D3-4AC5-8B81-3A90D6E1D8BF}" type="datetimeFigureOut">
+            <a:fld id="{96EEC886-9506-4088-B362-842096EBC2E3}" type="datetimeFigureOut">
               <a:rPr lang="zh-CN" altLang="en-US" smtClean="0"/>
               <a:t>2024/3/10</a:t>
             </a:fld>
@@ -463,7 +463,7 @@
           <p:cNvPr id="5" name="页脚占位符 4">
             <a:extLst>
               <a:ext uri="{FF2B5EF4-FFF2-40B4-BE49-F238E27FC236}">
-                <a16:creationId xmlns:a16="http://schemas.microsoft.com/office/drawing/2014/main" id="{F3483347-0EB0-6831-4729-289E13540CC7}"/>
+                <a16:creationId xmlns:a16="http://schemas.microsoft.com/office/drawing/2014/main" id="{ABEFE573-B2F4-39F0-B197-4EA2F06B2C6F}"/>
               </a:ext>
             </a:extLst>
           </p:cNvPr>
@@ -488,7 +488,7 @@
           <p:cNvPr id="6" name="灯片编号占位符 5">
             <a:extLst>
               <a:ext uri="{FF2B5EF4-FFF2-40B4-BE49-F238E27FC236}">
-                <a16:creationId xmlns:a16="http://schemas.microsoft.com/office/drawing/2014/main" id="{92FD977A-AE1E-9AAC-944B-900D385BF1F3}"/>
+                <a16:creationId xmlns:a16="http://schemas.microsoft.com/office/drawing/2014/main" id="{5A639240-DE18-8676-1242-CF227E27F46F}"/>
               </a:ext>
             </a:extLst>
           </p:cNvPr>
@@ -504,7 +504,7 @@
           <a:bodyPr/>
           <a:lstStyle/>
           <a:p>
-            <a:fld id="{2122470B-03C8-4559-A076-0D7DE2FC1447}" type="slidenum">
+            <a:fld id="{20C75835-88F8-405F-8895-88E550F564BE}" type="slidenum">
               <a:rPr lang="zh-CN" altLang="en-US" smtClean="0"/>
               <a:t>‹#›</a:t>
             </a:fld>
@@ -515,7 +515,7 @@
     </p:spTree>
     <p:extLst>
       <p:ext uri="{BB962C8B-B14F-4D97-AF65-F5344CB8AC3E}">
-        <p14:creationId xmlns:p14="http://schemas.microsoft.com/office/powerpoint/2010/main" val="2742953519"/>
+        <p14:creationId xmlns:p14="http://schemas.microsoft.com/office/powerpoint/2010/main" val="2314749321"/>
       </p:ext>
     </p:extLst>
   </p:cSld>
@@ -547,7 +547,7 @@
           <p:cNvPr id="2" name="竖排标题 1">
             <a:extLst>
               <a:ext uri="{FF2B5EF4-FFF2-40B4-BE49-F238E27FC236}">
-                <a16:creationId xmlns:a16="http://schemas.microsoft.com/office/drawing/2014/main" id="{7F1F708E-0C08-2987-F8ED-F64183E91943}"/>
+                <a16:creationId xmlns:a16="http://schemas.microsoft.com/office/drawing/2014/main" id="{06A98CD6-973B-ABEB-542C-6082D8F91777}"/>
               </a:ext>
             </a:extLst>
           </p:cNvPr>
@@ -580,7 +580,7 @@
           <p:cNvPr id="3" name="竖排文字占位符 2">
             <a:extLst>
               <a:ext uri="{FF2B5EF4-FFF2-40B4-BE49-F238E27FC236}">
-                <a16:creationId xmlns:a16="http://schemas.microsoft.com/office/drawing/2014/main" id="{BBDF4C16-B7A7-6EE7-A0C4-E86FF14ED848}"/>
+                <a16:creationId xmlns:a16="http://schemas.microsoft.com/office/drawing/2014/main" id="{D27DC83B-57C0-C968-F918-E5A77C2BF368}"/>
               </a:ext>
             </a:extLst>
           </p:cNvPr>
@@ -642,7 +642,7 @@
           <p:cNvPr id="4" name="日期占位符 3">
             <a:extLst>
               <a:ext uri="{FF2B5EF4-FFF2-40B4-BE49-F238E27FC236}">
-                <a16:creationId xmlns:a16="http://schemas.microsoft.com/office/drawing/2014/main" id="{3C40DB55-5532-D4FA-57E8-4C7A2B923B93}"/>
+                <a16:creationId xmlns:a16="http://schemas.microsoft.com/office/drawing/2014/main" id="{0159C056-AA1B-EE4F-8F58-4B1C09268CB0}"/>
               </a:ext>
             </a:extLst>
           </p:cNvPr>
@@ -658,7 +658,7 @@
           <a:bodyPr/>
           <a:lstStyle/>
           <a:p>
-            <a:fld id="{B75C913C-A5D3-4AC5-8B81-3A90D6E1D8BF}" type="datetimeFigureOut">
+            <a:fld id="{96EEC886-9506-4088-B362-842096EBC2E3}" type="datetimeFigureOut">
               <a:rPr lang="zh-CN" altLang="en-US" smtClean="0"/>
               <a:t>2024/3/10</a:t>
             </a:fld>
@@ -671,7 +671,7 @@
           <p:cNvPr id="5" name="页脚占位符 4">
             <a:extLst>
               <a:ext uri="{FF2B5EF4-FFF2-40B4-BE49-F238E27FC236}">
-                <a16:creationId xmlns:a16="http://schemas.microsoft.com/office/drawing/2014/main" id="{B2604985-7DA9-4D12-8AE3-5747DEC19E35}"/>
+                <a16:creationId xmlns:a16="http://schemas.microsoft.com/office/drawing/2014/main" id="{3EADE6A4-CC0D-6B14-CE09-39A8EC9C1AF6}"/>
               </a:ext>
             </a:extLst>
           </p:cNvPr>
@@ -696,7 +696,7 @@
           <p:cNvPr id="6" name="灯片编号占位符 5">
             <a:extLst>
               <a:ext uri="{FF2B5EF4-FFF2-40B4-BE49-F238E27FC236}">
-                <a16:creationId xmlns:a16="http://schemas.microsoft.com/office/drawing/2014/main" id="{120AA260-C1FC-50E7-08CF-6624981A322F}"/>
+                <a16:creationId xmlns:a16="http://schemas.microsoft.com/office/drawing/2014/main" id="{D882BD29-1A76-BE20-DB92-EE617AF549FD}"/>
               </a:ext>
             </a:extLst>
           </p:cNvPr>
@@ -712,7 +712,7 @@
           <a:bodyPr/>
           <a:lstStyle/>
           <a:p>
-            <a:fld id="{2122470B-03C8-4559-A076-0D7DE2FC1447}" type="slidenum">
+            <a:fld id="{20C75835-88F8-405F-8895-88E550F564BE}" type="slidenum">
               <a:rPr lang="zh-CN" altLang="en-US" smtClean="0"/>
               <a:t>‹#›</a:t>
             </a:fld>
@@ -723,7 +723,7 @@
     </p:spTree>
     <p:extLst>
       <p:ext uri="{BB962C8B-B14F-4D97-AF65-F5344CB8AC3E}">
-        <p14:creationId xmlns:p14="http://schemas.microsoft.com/office/powerpoint/2010/main" val="2228417477"/>
+        <p14:creationId xmlns:p14="http://schemas.microsoft.com/office/powerpoint/2010/main" val="1207130428"/>
       </p:ext>
     </p:extLst>
   </p:cSld>
@@ -755,7 +755,7 @@
           <p:cNvPr id="2" name="标题 1">
             <a:extLst>
               <a:ext uri="{FF2B5EF4-FFF2-40B4-BE49-F238E27FC236}">
-                <a16:creationId xmlns:a16="http://schemas.microsoft.com/office/drawing/2014/main" id="{A2E7C676-702A-1B8F-7AAC-6CD4191BB0F6}"/>
+                <a16:creationId xmlns:a16="http://schemas.microsoft.com/office/drawing/2014/main" id="{A440BB7D-B2B0-0A9D-DFB5-9A8CEB55C5E0}"/>
               </a:ext>
             </a:extLst>
           </p:cNvPr>
@@ -783,7 +783,7 @@
           <p:cNvPr id="3" name="内容占位符 2">
             <a:extLst>
               <a:ext uri="{FF2B5EF4-FFF2-40B4-BE49-F238E27FC236}">
-                <a16:creationId xmlns:a16="http://schemas.microsoft.com/office/drawing/2014/main" id="{9FE590DE-88AB-E40B-7975-37E0A6F1D970}"/>
+                <a16:creationId xmlns:a16="http://schemas.microsoft.com/office/drawing/2014/main" id="{3A5BA967-3A15-3130-C5D8-1ED19D021904}"/>
               </a:ext>
             </a:extLst>
           </p:cNvPr>
@@ -840,7 +840,7 @@
           <p:cNvPr id="4" name="日期占位符 3">
             <a:extLst>
               <a:ext uri="{FF2B5EF4-FFF2-40B4-BE49-F238E27FC236}">
-                <a16:creationId xmlns:a16="http://schemas.microsoft.com/office/drawing/2014/main" id="{D4E2F6BF-96E1-197B-20B7-90C2FFED5325}"/>
+                <a16:creationId xmlns:a16="http://schemas.microsoft.com/office/drawing/2014/main" id="{2214FC30-F028-23E3-4018-651E3CB1BFE3}"/>
               </a:ext>
             </a:extLst>
           </p:cNvPr>
@@ -856,7 +856,7 @@
           <a:bodyPr/>
           <a:lstStyle/>
           <a:p>
-            <a:fld id="{B75C913C-A5D3-4AC5-8B81-3A90D6E1D8BF}" type="datetimeFigureOut">
+            <a:fld id="{96EEC886-9506-4088-B362-842096EBC2E3}" type="datetimeFigureOut">
               <a:rPr lang="zh-CN" altLang="en-US" smtClean="0"/>
               <a:t>2024/3/10</a:t>
             </a:fld>
@@ -869,7 +869,7 @@
           <p:cNvPr id="5" name="页脚占位符 4">
             <a:extLst>
               <a:ext uri="{FF2B5EF4-FFF2-40B4-BE49-F238E27FC236}">
-                <a16:creationId xmlns:a16="http://schemas.microsoft.com/office/drawing/2014/main" id="{F973F701-55B5-DB88-D2AE-B54B84726119}"/>
+                <a16:creationId xmlns:a16="http://schemas.microsoft.com/office/drawing/2014/main" id="{DE0EEF10-6AA5-5387-310F-58465CDBC631}"/>
               </a:ext>
             </a:extLst>
           </p:cNvPr>
@@ -894,7 +894,7 @@
           <p:cNvPr id="6" name="灯片编号占位符 5">
             <a:extLst>
               <a:ext uri="{FF2B5EF4-FFF2-40B4-BE49-F238E27FC236}">
-                <a16:creationId xmlns:a16="http://schemas.microsoft.com/office/drawing/2014/main" id="{3CCD860F-0799-EC80-666C-6A2F4F922DA5}"/>
+                <a16:creationId xmlns:a16="http://schemas.microsoft.com/office/drawing/2014/main" id="{866272F5-E217-1A0D-9DDA-6B0E3FFB1AE7}"/>
               </a:ext>
             </a:extLst>
           </p:cNvPr>
@@ -910,7 +910,7 @@
           <a:bodyPr/>
           <a:lstStyle/>
           <a:p>
-            <a:fld id="{2122470B-03C8-4559-A076-0D7DE2FC1447}" type="slidenum">
+            <a:fld id="{20C75835-88F8-405F-8895-88E550F564BE}" type="slidenum">
               <a:rPr lang="zh-CN" altLang="en-US" smtClean="0"/>
               <a:t>‹#›</a:t>
             </a:fld>
@@ -921,7 +921,7 @@
     </p:spTree>
     <p:extLst>
       <p:ext uri="{BB962C8B-B14F-4D97-AF65-F5344CB8AC3E}">
-        <p14:creationId xmlns:p14="http://schemas.microsoft.com/office/powerpoint/2010/main" val="2784376037"/>
+        <p14:creationId xmlns:p14="http://schemas.microsoft.com/office/powerpoint/2010/main" val="3137485790"/>
       </p:ext>
     </p:extLst>
   </p:cSld>
@@ -953,7 +953,7 @@
           <p:cNvPr id="2" name="标题 1">
             <a:extLst>
               <a:ext uri="{FF2B5EF4-FFF2-40B4-BE49-F238E27FC236}">
-                <a16:creationId xmlns:a16="http://schemas.microsoft.com/office/drawing/2014/main" id="{D4848365-C640-C02F-59A0-75FFC1019F93}"/>
+                <a16:creationId xmlns:a16="http://schemas.microsoft.com/office/drawing/2014/main" id="{7491B588-755C-B8BC-E533-3B8493751AA2}"/>
               </a:ext>
             </a:extLst>
           </p:cNvPr>
@@ -990,7 +990,7 @@
           <p:cNvPr id="3" name="文本占位符 2">
             <a:extLst>
               <a:ext uri="{FF2B5EF4-FFF2-40B4-BE49-F238E27FC236}">
-                <a16:creationId xmlns:a16="http://schemas.microsoft.com/office/drawing/2014/main" id="{A0A294DB-25BA-1D10-E280-1AF919E9D4B8}"/>
+                <a16:creationId xmlns:a16="http://schemas.microsoft.com/office/drawing/2014/main" id="{3636CBC3-26CA-03E7-EC90-9268CD0D18AD}"/>
               </a:ext>
             </a:extLst>
           </p:cNvPr>
@@ -1115,7 +1115,7 @@
           <p:cNvPr id="4" name="日期占位符 3">
             <a:extLst>
               <a:ext uri="{FF2B5EF4-FFF2-40B4-BE49-F238E27FC236}">
-                <a16:creationId xmlns:a16="http://schemas.microsoft.com/office/drawing/2014/main" id="{DFBA5670-7961-4C9C-B45E-9176ABE6E2DD}"/>
+                <a16:creationId xmlns:a16="http://schemas.microsoft.com/office/drawing/2014/main" id="{7B33C02D-FECA-A0A8-15F4-EE7F5B48A0F7}"/>
               </a:ext>
             </a:extLst>
           </p:cNvPr>
@@ -1131,7 +1131,7 @@
           <a:bodyPr/>
           <a:lstStyle/>
           <a:p>
-            <a:fld id="{B75C913C-A5D3-4AC5-8B81-3A90D6E1D8BF}" type="datetimeFigureOut">
+            <a:fld id="{96EEC886-9506-4088-B362-842096EBC2E3}" type="datetimeFigureOut">
               <a:rPr lang="zh-CN" altLang="en-US" smtClean="0"/>
               <a:t>2024/3/10</a:t>
             </a:fld>
@@ -1144,7 +1144,7 @@
           <p:cNvPr id="5" name="页脚占位符 4">
             <a:extLst>
               <a:ext uri="{FF2B5EF4-FFF2-40B4-BE49-F238E27FC236}">
-                <a16:creationId xmlns:a16="http://schemas.microsoft.com/office/drawing/2014/main" id="{194FDCE5-8B3D-2DD6-E662-8EA0A6D6E9A6}"/>
+                <a16:creationId xmlns:a16="http://schemas.microsoft.com/office/drawing/2014/main" id="{263A4A8F-7B3C-2338-FF05-700E577CC94C}"/>
               </a:ext>
             </a:extLst>
           </p:cNvPr>
@@ -1169,7 +1169,7 @@
           <p:cNvPr id="6" name="灯片编号占位符 5">
             <a:extLst>
               <a:ext uri="{FF2B5EF4-FFF2-40B4-BE49-F238E27FC236}">
-                <a16:creationId xmlns:a16="http://schemas.microsoft.com/office/drawing/2014/main" id="{307D49F3-D5C7-EC50-32ED-E27E9F93CE30}"/>
+                <a16:creationId xmlns:a16="http://schemas.microsoft.com/office/drawing/2014/main" id="{0B29AF05-69B6-220B-2ED9-34385CFD49F1}"/>
               </a:ext>
             </a:extLst>
           </p:cNvPr>
@@ -1185,7 +1185,7 @@
           <a:bodyPr/>
           <a:lstStyle/>
           <a:p>
-            <a:fld id="{2122470B-03C8-4559-A076-0D7DE2FC1447}" type="slidenum">
+            <a:fld id="{20C75835-88F8-405F-8895-88E550F564BE}" type="slidenum">
               <a:rPr lang="zh-CN" altLang="en-US" smtClean="0"/>
               <a:t>‹#›</a:t>
             </a:fld>
@@ -1196,7 +1196,7 @@
     </p:spTree>
     <p:extLst>
       <p:ext uri="{BB962C8B-B14F-4D97-AF65-F5344CB8AC3E}">
-        <p14:creationId xmlns:p14="http://schemas.microsoft.com/office/powerpoint/2010/main" val="3828132356"/>
+        <p14:creationId xmlns:p14="http://schemas.microsoft.com/office/powerpoint/2010/main" val="3003927192"/>
       </p:ext>
     </p:extLst>
   </p:cSld>
@@ -1228,7 +1228,7 @@
           <p:cNvPr id="2" name="标题 1">
             <a:extLst>
               <a:ext uri="{FF2B5EF4-FFF2-40B4-BE49-F238E27FC236}">
-                <a16:creationId xmlns:a16="http://schemas.microsoft.com/office/drawing/2014/main" id="{8D5E2EF4-8225-862D-AFBB-AE6169AC130A}"/>
+                <a16:creationId xmlns:a16="http://schemas.microsoft.com/office/drawing/2014/main" id="{0F6ACD3F-8004-222E-2985-1CFF29CFC0EC}"/>
               </a:ext>
             </a:extLst>
           </p:cNvPr>
@@ -1256,7 +1256,7 @@
           <p:cNvPr id="3" name="内容占位符 2">
             <a:extLst>
               <a:ext uri="{FF2B5EF4-FFF2-40B4-BE49-F238E27FC236}">
-                <a16:creationId xmlns:a16="http://schemas.microsoft.com/office/drawing/2014/main" id="{D297339A-E0DC-36CF-62BD-60FF5AC00D80}"/>
+                <a16:creationId xmlns:a16="http://schemas.microsoft.com/office/drawing/2014/main" id="{CCA7F032-0C35-6361-4560-A55C74231EEA}"/>
               </a:ext>
             </a:extLst>
           </p:cNvPr>
@@ -1318,7 +1318,7 @@
           <p:cNvPr id="4" name="内容占位符 3">
             <a:extLst>
               <a:ext uri="{FF2B5EF4-FFF2-40B4-BE49-F238E27FC236}">
-                <a16:creationId xmlns:a16="http://schemas.microsoft.com/office/drawing/2014/main" id="{FBED8D8F-CB77-E74A-C877-5A71F6646C0C}"/>
+                <a16:creationId xmlns:a16="http://schemas.microsoft.com/office/drawing/2014/main" id="{14DF4341-149B-5C04-44F8-1F0629730300}"/>
               </a:ext>
             </a:extLst>
           </p:cNvPr>
@@ -1380,7 +1380,7 @@
           <p:cNvPr id="5" name="日期占位符 4">
             <a:extLst>
               <a:ext uri="{FF2B5EF4-FFF2-40B4-BE49-F238E27FC236}">
-                <a16:creationId xmlns:a16="http://schemas.microsoft.com/office/drawing/2014/main" id="{7D1C037A-F886-8306-D3D5-332FB8467D4C}"/>
+                <a16:creationId xmlns:a16="http://schemas.microsoft.com/office/drawing/2014/main" id="{3D733CA0-BB21-A1AB-6909-119C03DF177B}"/>
               </a:ext>
             </a:extLst>
           </p:cNvPr>
@@ -1396,7 +1396,7 @@
           <a:bodyPr/>
           <a:lstStyle/>
           <a:p>
-            <a:fld id="{B75C913C-A5D3-4AC5-8B81-3A90D6E1D8BF}" type="datetimeFigureOut">
+            <a:fld id="{96EEC886-9506-4088-B362-842096EBC2E3}" type="datetimeFigureOut">
               <a:rPr lang="zh-CN" altLang="en-US" smtClean="0"/>
               <a:t>2024/3/10</a:t>
             </a:fld>
@@ -1409,7 +1409,7 @@
           <p:cNvPr id="6" name="页脚占位符 5">
             <a:extLst>
               <a:ext uri="{FF2B5EF4-FFF2-40B4-BE49-F238E27FC236}">
-                <a16:creationId xmlns:a16="http://schemas.microsoft.com/office/drawing/2014/main" id="{0C4AE001-623D-8F69-9A6E-DB6A4E3A0482}"/>
+                <a16:creationId xmlns:a16="http://schemas.microsoft.com/office/drawing/2014/main" id="{939B30CE-8544-F67C-2356-EDD41B7F74A4}"/>
               </a:ext>
             </a:extLst>
           </p:cNvPr>
@@ -1434,7 +1434,7 @@
           <p:cNvPr id="7" name="灯片编号占位符 6">
             <a:extLst>
               <a:ext uri="{FF2B5EF4-FFF2-40B4-BE49-F238E27FC236}">
-                <a16:creationId xmlns:a16="http://schemas.microsoft.com/office/drawing/2014/main" id="{75403AF4-DAA7-32B1-CB8D-DD62DDE11442}"/>
+                <a16:creationId xmlns:a16="http://schemas.microsoft.com/office/drawing/2014/main" id="{93264203-AFF4-B1B2-DA56-585E3CF8BDCF}"/>
               </a:ext>
             </a:extLst>
           </p:cNvPr>
@@ -1450,7 +1450,7 @@
           <a:bodyPr/>
           <a:lstStyle/>
           <a:p>
-            <a:fld id="{2122470B-03C8-4559-A076-0D7DE2FC1447}" type="slidenum">
+            <a:fld id="{20C75835-88F8-405F-8895-88E550F564BE}" type="slidenum">
               <a:rPr lang="zh-CN" altLang="en-US" smtClean="0"/>
               <a:t>‹#›</a:t>
             </a:fld>
@@ -1461,7 +1461,7 @@
     </p:spTree>
     <p:extLst>
       <p:ext uri="{BB962C8B-B14F-4D97-AF65-F5344CB8AC3E}">
-        <p14:creationId xmlns:p14="http://schemas.microsoft.com/office/powerpoint/2010/main" val="2853042755"/>
+        <p14:creationId xmlns:p14="http://schemas.microsoft.com/office/powerpoint/2010/main" val="842712564"/>
       </p:ext>
     </p:extLst>
   </p:cSld>
@@ -1493,7 +1493,7 @@
           <p:cNvPr id="2" name="标题 1">
             <a:extLst>
               <a:ext uri="{FF2B5EF4-FFF2-40B4-BE49-F238E27FC236}">
-                <a16:creationId xmlns:a16="http://schemas.microsoft.com/office/drawing/2014/main" id="{C65472F9-A713-95A7-A612-179E7F0C7631}"/>
+                <a16:creationId xmlns:a16="http://schemas.microsoft.com/office/drawing/2014/main" id="{438C0630-9BBF-06FE-1833-75CFA51C6740}"/>
               </a:ext>
             </a:extLst>
           </p:cNvPr>
@@ -1526,7 +1526,7 @@
           <p:cNvPr id="3" name="文本占位符 2">
             <a:extLst>
               <a:ext uri="{FF2B5EF4-FFF2-40B4-BE49-F238E27FC236}">
-                <a16:creationId xmlns:a16="http://schemas.microsoft.com/office/drawing/2014/main" id="{B65C85E4-7DFB-07C5-6FEF-7A85F20E99A1}"/>
+                <a16:creationId xmlns:a16="http://schemas.microsoft.com/office/drawing/2014/main" id="{98E07BAC-4349-D11E-8F24-00A2C154C303}"/>
               </a:ext>
             </a:extLst>
           </p:cNvPr>
@@ -1597,7 +1597,7 @@
           <p:cNvPr id="4" name="内容占位符 3">
             <a:extLst>
               <a:ext uri="{FF2B5EF4-FFF2-40B4-BE49-F238E27FC236}">
-                <a16:creationId xmlns:a16="http://schemas.microsoft.com/office/drawing/2014/main" id="{56891A06-BE4F-1EDC-9751-29E48BF61B50}"/>
+                <a16:creationId xmlns:a16="http://schemas.microsoft.com/office/drawing/2014/main" id="{49DDB2EF-F77E-9CF7-00AB-2684BA7D1D9D}"/>
               </a:ext>
             </a:extLst>
           </p:cNvPr>
@@ -1659,7 +1659,7 @@
           <p:cNvPr id="5" name="文本占位符 4">
             <a:extLst>
               <a:ext uri="{FF2B5EF4-FFF2-40B4-BE49-F238E27FC236}">
-                <a16:creationId xmlns:a16="http://schemas.microsoft.com/office/drawing/2014/main" id="{A07DA600-9302-F4BB-2671-DCE153BCE410}"/>
+                <a16:creationId xmlns:a16="http://schemas.microsoft.com/office/drawing/2014/main" id="{F52FFF4C-00C8-7E13-9434-D5D9E85E7791}"/>
               </a:ext>
             </a:extLst>
           </p:cNvPr>
@@ -1730,7 +1730,7 @@
           <p:cNvPr id="6" name="内容占位符 5">
             <a:extLst>
               <a:ext uri="{FF2B5EF4-FFF2-40B4-BE49-F238E27FC236}">
-                <a16:creationId xmlns:a16="http://schemas.microsoft.com/office/drawing/2014/main" id="{777D995F-815C-61C1-EC5D-E9472239CC50}"/>
+                <a16:creationId xmlns:a16="http://schemas.microsoft.com/office/drawing/2014/main" id="{EA63194E-2E36-5F3F-E8A2-D4E3CE48CEC7}"/>
               </a:ext>
             </a:extLst>
           </p:cNvPr>
@@ -1792,7 +1792,7 @@
           <p:cNvPr id="7" name="日期占位符 6">
             <a:extLst>
               <a:ext uri="{FF2B5EF4-FFF2-40B4-BE49-F238E27FC236}">
-                <a16:creationId xmlns:a16="http://schemas.microsoft.com/office/drawing/2014/main" id="{36779DE1-DF80-0791-39B3-2FC26F1B8609}"/>
+                <a16:creationId xmlns:a16="http://schemas.microsoft.com/office/drawing/2014/main" id="{8BB6870E-75FA-B677-C177-4A44C63FDA2D}"/>
               </a:ext>
             </a:extLst>
           </p:cNvPr>
@@ -1808,7 +1808,7 @@
           <a:bodyPr/>
           <a:lstStyle/>
           <a:p>
-            <a:fld id="{B75C913C-A5D3-4AC5-8B81-3A90D6E1D8BF}" type="datetimeFigureOut">
+            <a:fld id="{96EEC886-9506-4088-B362-842096EBC2E3}" type="datetimeFigureOut">
               <a:rPr lang="zh-CN" altLang="en-US" smtClean="0"/>
               <a:t>2024/3/10</a:t>
             </a:fld>
@@ -1821,7 +1821,7 @@
           <p:cNvPr id="8" name="页脚占位符 7">
             <a:extLst>
               <a:ext uri="{FF2B5EF4-FFF2-40B4-BE49-F238E27FC236}">
-                <a16:creationId xmlns:a16="http://schemas.microsoft.com/office/drawing/2014/main" id="{873407AF-2607-923A-39D6-53CB1317B2ED}"/>
+                <a16:creationId xmlns:a16="http://schemas.microsoft.com/office/drawing/2014/main" id="{76A94B60-0CC8-D524-546F-779A72D39A9A}"/>
               </a:ext>
             </a:extLst>
           </p:cNvPr>
@@ -1846,7 +1846,7 @@
           <p:cNvPr id="9" name="灯片编号占位符 8">
             <a:extLst>
               <a:ext uri="{FF2B5EF4-FFF2-40B4-BE49-F238E27FC236}">
-                <a16:creationId xmlns:a16="http://schemas.microsoft.com/office/drawing/2014/main" id="{4F410D24-4D5D-86DF-D21D-23D3DC75D7A2}"/>
+                <a16:creationId xmlns:a16="http://schemas.microsoft.com/office/drawing/2014/main" id="{1792CF57-8E77-B8E4-BCBD-C7FF7B2BB137}"/>
               </a:ext>
             </a:extLst>
           </p:cNvPr>
@@ -1862,7 +1862,7 @@
           <a:bodyPr/>
           <a:lstStyle/>
           <a:p>
-            <a:fld id="{2122470B-03C8-4559-A076-0D7DE2FC1447}" type="slidenum">
+            <a:fld id="{20C75835-88F8-405F-8895-88E550F564BE}" type="slidenum">
               <a:rPr lang="zh-CN" altLang="en-US" smtClean="0"/>
               <a:t>‹#›</a:t>
             </a:fld>
@@ -1873,7 +1873,7 @@
     </p:spTree>
     <p:extLst>
       <p:ext uri="{BB962C8B-B14F-4D97-AF65-F5344CB8AC3E}">
-        <p14:creationId xmlns:p14="http://schemas.microsoft.com/office/powerpoint/2010/main" val="3275113164"/>
+        <p14:creationId xmlns:p14="http://schemas.microsoft.com/office/powerpoint/2010/main" val="3074899151"/>
       </p:ext>
     </p:extLst>
   </p:cSld>
@@ -1905,7 +1905,7 @@
           <p:cNvPr id="2" name="标题 1">
             <a:extLst>
               <a:ext uri="{FF2B5EF4-FFF2-40B4-BE49-F238E27FC236}">
-                <a16:creationId xmlns:a16="http://schemas.microsoft.com/office/drawing/2014/main" id="{A9FC6822-BABC-4328-6482-7A624E227980}"/>
+                <a16:creationId xmlns:a16="http://schemas.microsoft.com/office/drawing/2014/main" id="{392FF416-113D-81C8-4631-A32B715E09BB}"/>
               </a:ext>
             </a:extLst>
           </p:cNvPr>
@@ -1933,7 +1933,7 @@
           <p:cNvPr id="3" name="日期占位符 2">
             <a:extLst>
               <a:ext uri="{FF2B5EF4-FFF2-40B4-BE49-F238E27FC236}">
-                <a16:creationId xmlns:a16="http://schemas.microsoft.com/office/drawing/2014/main" id="{C0C7CCE2-B923-6DBD-E5EA-4F0E80D05701}"/>
+                <a16:creationId xmlns:a16="http://schemas.microsoft.com/office/drawing/2014/main" id="{837B2544-81B6-6475-4594-23AB01F8052F}"/>
               </a:ext>
             </a:extLst>
           </p:cNvPr>
@@ -1949,7 +1949,7 @@
           <a:bodyPr/>
           <a:lstStyle/>
           <a:p>
-            <a:fld id="{B75C913C-A5D3-4AC5-8B81-3A90D6E1D8BF}" type="datetimeFigureOut">
+            <a:fld id="{96EEC886-9506-4088-B362-842096EBC2E3}" type="datetimeFigureOut">
               <a:rPr lang="zh-CN" altLang="en-US" smtClean="0"/>
               <a:t>2024/3/10</a:t>
             </a:fld>
@@ -1962,7 +1962,7 @@
           <p:cNvPr id="4" name="页脚占位符 3">
             <a:extLst>
               <a:ext uri="{FF2B5EF4-FFF2-40B4-BE49-F238E27FC236}">
-                <a16:creationId xmlns:a16="http://schemas.microsoft.com/office/drawing/2014/main" id="{581A140E-8B6E-8B19-4481-975CC0CFBD70}"/>
+                <a16:creationId xmlns:a16="http://schemas.microsoft.com/office/drawing/2014/main" id="{1D012521-BE2B-5D43-DA5C-D4E66EB26D9F}"/>
               </a:ext>
             </a:extLst>
           </p:cNvPr>
@@ -1987,7 +1987,7 @@
           <p:cNvPr id="5" name="灯片编号占位符 4">
             <a:extLst>
               <a:ext uri="{FF2B5EF4-FFF2-40B4-BE49-F238E27FC236}">
-                <a16:creationId xmlns:a16="http://schemas.microsoft.com/office/drawing/2014/main" id="{AF60E089-3B57-BCCF-D70D-2BFDFFBE06AB}"/>
+                <a16:creationId xmlns:a16="http://schemas.microsoft.com/office/drawing/2014/main" id="{62814CEB-28B5-A5F2-2AA5-81C8A2C0F714}"/>
               </a:ext>
             </a:extLst>
           </p:cNvPr>
@@ -2003,7 +2003,7 @@
           <a:bodyPr/>
           <a:lstStyle/>
           <a:p>
-            <a:fld id="{2122470B-03C8-4559-A076-0D7DE2FC1447}" type="slidenum">
+            <a:fld id="{20C75835-88F8-405F-8895-88E550F564BE}" type="slidenum">
               <a:rPr lang="zh-CN" altLang="en-US" smtClean="0"/>
               <a:t>‹#›</a:t>
             </a:fld>
@@ -2014,7 +2014,7 @@
     </p:spTree>
     <p:extLst>
       <p:ext uri="{BB962C8B-B14F-4D97-AF65-F5344CB8AC3E}">
-        <p14:creationId xmlns:p14="http://schemas.microsoft.com/office/powerpoint/2010/main" val="431218903"/>
+        <p14:creationId xmlns:p14="http://schemas.microsoft.com/office/powerpoint/2010/main" val="2728531498"/>
       </p:ext>
     </p:extLst>
   </p:cSld>
@@ -2046,7 +2046,7 @@
           <p:cNvPr id="2" name="日期占位符 1">
             <a:extLst>
               <a:ext uri="{FF2B5EF4-FFF2-40B4-BE49-F238E27FC236}">
-                <a16:creationId xmlns:a16="http://schemas.microsoft.com/office/drawing/2014/main" id="{5E5F7882-EEC1-A5E8-7901-8FCD38ACF818}"/>
+                <a16:creationId xmlns:a16="http://schemas.microsoft.com/office/drawing/2014/main" id="{9E1CFE78-50F7-AB68-73B3-BA0AA5939C45}"/>
               </a:ext>
             </a:extLst>
           </p:cNvPr>
@@ -2062,7 +2062,7 @@
           <a:bodyPr/>
           <a:lstStyle/>
           <a:p>
-            <a:fld id="{B75C913C-A5D3-4AC5-8B81-3A90D6E1D8BF}" type="datetimeFigureOut">
+            <a:fld id="{96EEC886-9506-4088-B362-842096EBC2E3}" type="datetimeFigureOut">
               <a:rPr lang="zh-CN" altLang="en-US" smtClean="0"/>
               <a:t>2024/3/10</a:t>
             </a:fld>
@@ -2075,7 +2075,7 @@
           <p:cNvPr id="3" name="页脚占位符 2">
             <a:extLst>
               <a:ext uri="{FF2B5EF4-FFF2-40B4-BE49-F238E27FC236}">
-                <a16:creationId xmlns:a16="http://schemas.microsoft.com/office/drawing/2014/main" id="{1B729A74-D47C-0F07-015F-AC74344A1ED6}"/>
+                <a16:creationId xmlns:a16="http://schemas.microsoft.com/office/drawing/2014/main" id="{E56D5E00-3B94-1F8B-48B0-32A22362903F}"/>
               </a:ext>
             </a:extLst>
           </p:cNvPr>
@@ -2100,7 +2100,7 @@
           <p:cNvPr id="4" name="灯片编号占位符 3">
             <a:extLst>
               <a:ext uri="{FF2B5EF4-FFF2-40B4-BE49-F238E27FC236}">
-                <a16:creationId xmlns:a16="http://schemas.microsoft.com/office/drawing/2014/main" id="{178EF392-7911-C0F0-E120-85F7306256DD}"/>
+                <a16:creationId xmlns:a16="http://schemas.microsoft.com/office/drawing/2014/main" id="{9833EEF6-AABF-120A-3EDA-49D7C752BFE1}"/>
               </a:ext>
             </a:extLst>
           </p:cNvPr>
@@ -2116,7 +2116,7 @@
           <a:bodyPr/>
           <a:lstStyle/>
           <a:p>
-            <a:fld id="{2122470B-03C8-4559-A076-0D7DE2FC1447}" type="slidenum">
+            <a:fld id="{20C75835-88F8-405F-8895-88E550F564BE}" type="slidenum">
               <a:rPr lang="zh-CN" altLang="en-US" smtClean="0"/>
               <a:t>‹#›</a:t>
             </a:fld>
@@ -2127,7 +2127,7 @@
     </p:spTree>
     <p:extLst>
       <p:ext uri="{BB962C8B-B14F-4D97-AF65-F5344CB8AC3E}">
-        <p14:creationId xmlns:p14="http://schemas.microsoft.com/office/powerpoint/2010/main" val="2590365543"/>
+        <p14:creationId xmlns:p14="http://schemas.microsoft.com/office/powerpoint/2010/main" val="3245985334"/>
       </p:ext>
     </p:extLst>
   </p:cSld>
@@ -2159,7 +2159,7 @@
           <p:cNvPr id="2" name="标题 1">
             <a:extLst>
               <a:ext uri="{FF2B5EF4-FFF2-40B4-BE49-F238E27FC236}">
-                <a16:creationId xmlns:a16="http://schemas.microsoft.com/office/drawing/2014/main" id="{F3E83FA4-C623-1B59-77B2-3B399DFA9441}"/>
+                <a16:creationId xmlns:a16="http://schemas.microsoft.com/office/drawing/2014/main" id="{0E1EEA32-DA11-CAB2-55AA-A03AE70B4865}"/>
               </a:ext>
             </a:extLst>
           </p:cNvPr>
@@ -2196,7 +2196,7 @@
           <p:cNvPr id="3" name="内容占位符 2">
             <a:extLst>
               <a:ext uri="{FF2B5EF4-FFF2-40B4-BE49-F238E27FC236}">
-                <a16:creationId xmlns:a16="http://schemas.microsoft.com/office/drawing/2014/main" id="{166EDB5A-DA99-6EC4-5941-9AE4C37C2B9C}"/>
+                <a16:creationId xmlns:a16="http://schemas.microsoft.com/office/drawing/2014/main" id="{4C6CF9E0-83DA-CF91-C4D0-97EE2D976642}"/>
               </a:ext>
             </a:extLst>
           </p:cNvPr>
@@ -2286,7 +2286,7 @@
           <p:cNvPr id="4" name="文本占位符 3">
             <a:extLst>
               <a:ext uri="{FF2B5EF4-FFF2-40B4-BE49-F238E27FC236}">
-                <a16:creationId xmlns:a16="http://schemas.microsoft.com/office/drawing/2014/main" id="{314E479E-E098-28A2-A4B3-08A2D0547EB8}"/>
+                <a16:creationId xmlns:a16="http://schemas.microsoft.com/office/drawing/2014/main" id="{75C1747A-8912-445A-6E54-E3EDB1DE18B8}"/>
               </a:ext>
             </a:extLst>
           </p:cNvPr>
@@ -2357,7 +2357,7 @@
           <p:cNvPr id="5" name="日期占位符 4">
             <a:extLst>
               <a:ext uri="{FF2B5EF4-FFF2-40B4-BE49-F238E27FC236}">
-                <a16:creationId xmlns:a16="http://schemas.microsoft.com/office/drawing/2014/main" id="{9901844E-2FE5-3CA9-2369-E736B99E2EFB}"/>
+                <a16:creationId xmlns:a16="http://schemas.microsoft.com/office/drawing/2014/main" id="{43F70973-AD57-A12A-540D-77A58D8EBD38}"/>
               </a:ext>
             </a:extLst>
           </p:cNvPr>
@@ -2373,7 +2373,7 @@
           <a:bodyPr/>
           <a:lstStyle/>
           <a:p>
-            <a:fld id="{B75C913C-A5D3-4AC5-8B81-3A90D6E1D8BF}" type="datetimeFigureOut">
+            <a:fld id="{96EEC886-9506-4088-B362-842096EBC2E3}" type="datetimeFigureOut">
               <a:rPr lang="zh-CN" altLang="en-US" smtClean="0"/>
               <a:t>2024/3/10</a:t>
             </a:fld>
@@ -2386,7 +2386,7 @@
           <p:cNvPr id="6" name="页脚占位符 5">
             <a:extLst>
               <a:ext uri="{FF2B5EF4-FFF2-40B4-BE49-F238E27FC236}">
-                <a16:creationId xmlns:a16="http://schemas.microsoft.com/office/drawing/2014/main" id="{5603693B-E4BD-3E3C-5E10-A45F5991B2A3}"/>
+                <a16:creationId xmlns:a16="http://schemas.microsoft.com/office/drawing/2014/main" id="{C931777A-A585-9451-98BC-32A80B6B5C14}"/>
               </a:ext>
             </a:extLst>
           </p:cNvPr>
@@ -2411,7 +2411,7 @@
           <p:cNvPr id="7" name="灯片编号占位符 6">
             <a:extLst>
               <a:ext uri="{FF2B5EF4-FFF2-40B4-BE49-F238E27FC236}">
-                <a16:creationId xmlns:a16="http://schemas.microsoft.com/office/drawing/2014/main" id="{4328A169-B62A-ABB1-8138-9F97668CD73A}"/>
+                <a16:creationId xmlns:a16="http://schemas.microsoft.com/office/drawing/2014/main" id="{8C6A22BF-A356-4E1C-D2CA-032C9AAD0BF0}"/>
               </a:ext>
             </a:extLst>
           </p:cNvPr>
@@ -2427,7 +2427,7 @@
           <a:bodyPr/>
           <a:lstStyle/>
           <a:p>
-            <a:fld id="{2122470B-03C8-4559-A076-0D7DE2FC1447}" type="slidenum">
+            <a:fld id="{20C75835-88F8-405F-8895-88E550F564BE}" type="slidenum">
               <a:rPr lang="zh-CN" altLang="en-US" smtClean="0"/>
               <a:t>‹#›</a:t>
             </a:fld>
@@ -2438,7 +2438,7 @@
     </p:spTree>
     <p:extLst>
       <p:ext uri="{BB962C8B-B14F-4D97-AF65-F5344CB8AC3E}">
-        <p14:creationId xmlns:p14="http://schemas.microsoft.com/office/powerpoint/2010/main" val="702068748"/>
+        <p14:creationId xmlns:p14="http://schemas.microsoft.com/office/powerpoint/2010/main" val="2850053975"/>
       </p:ext>
     </p:extLst>
   </p:cSld>
@@ -2470,7 +2470,7 @@
           <p:cNvPr id="2" name="标题 1">
             <a:extLst>
               <a:ext uri="{FF2B5EF4-FFF2-40B4-BE49-F238E27FC236}">
-                <a16:creationId xmlns:a16="http://schemas.microsoft.com/office/drawing/2014/main" id="{AA1EF926-A124-3AF2-F0C4-83B664D6F654}"/>
+                <a16:creationId xmlns:a16="http://schemas.microsoft.com/office/drawing/2014/main" id="{69C01520-EF5E-A3C5-D8EA-E347E11D9CBE}"/>
               </a:ext>
             </a:extLst>
           </p:cNvPr>
@@ -2507,7 +2507,7 @@
           <p:cNvPr id="3" name="图片占位符 2">
             <a:extLst>
               <a:ext uri="{FF2B5EF4-FFF2-40B4-BE49-F238E27FC236}">
-                <a16:creationId xmlns:a16="http://schemas.microsoft.com/office/drawing/2014/main" id="{2105B980-C92C-B366-C8F2-0F5BFF0BA12F}"/>
+                <a16:creationId xmlns:a16="http://schemas.microsoft.com/office/drawing/2014/main" id="{1DC94AB8-49E0-0C19-5DAF-6F2D4D09308C}"/>
               </a:ext>
             </a:extLst>
           </p:cNvPr>
@@ -2574,7 +2574,7 @@
           <p:cNvPr id="4" name="文本占位符 3">
             <a:extLst>
               <a:ext uri="{FF2B5EF4-FFF2-40B4-BE49-F238E27FC236}">
-                <a16:creationId xmlns:a16="http://schemas.microsoft.com/office/drawing/2014/main" id="{932F2C20-66B9-5AB0-4DED-0A2FAD50E188}"/>
+                <a16:creationId xmlns:a16="http://schemas.microsoft.com/office/drawing/2014/main" id="{6D1E4E33-EFC9-939C-7C29-B10F4395A719}"/>
               </a:ext>
             </a:extLst>
           </p:cNvPr>
@@ -2645,7 +2645,7 @@
           <p:cNvPr id="5" name="日期占位符 4">
             <a:extLst>
               <a:ext uri="{FF2B5EF4-FFF2-40B4-BE49-F238E27FC236}">
-                <a16:creationId xmlns:a16="http://schemas.microsoft.com/office/drawing/2014/main" id="{7EC55CE3-3176-88BE-0A0A-E934A2D2A66B}"/>
+                <a16:creationId xmlns:a16="http://schemas.microsoft.com/office/drawing/2014/main" id="{33E2E2F7-2121-D441-F82F-48AC834052DD}"/>
               </a:ext>
             </a:extLst>
           </p:cNvPr>
@@ -2661,7 +2661,7 @@
           <a:bodyPr/>
           <a:lstStyle/>
           <a:p>
-            <a:fld id="{B75C913C-A5D3-4AC5-8B81-3A90D6E1D8BF}" type="datetimeFigureOut">
+            <a:fld id="{96EEC886-9506-4088-B362-842096EBC2E3}" type="datetimeFigureOut">
               <a:rPr lang="zh-CN" altLang="en-US" smtClean="0"/>
               <a:t>2024/3/10</a:t>
             </a:fld>
@@ -2674,7 +2674,7 @@
           <p:cNvPr id="6" name="页脚占位符 5">
             <a:extLst>
               <a:ext uri="{FF2B5EF4-FFF2-40B4-BE49-F238E27FC236}">
-                <a16:creationId xmlns:a16="http://schemas.microsoft.com/office/drawing/2014/main" id="{5A60D51C-59A0-C440-C144-B6761C6D6DD2}"/>
+                <a16:creationId xmlns:a16="http://schemas.microsoft.com/office/drawing/2014/main" id="{3EFA1D81-8DBB-ECE5-295C-EBD4F59CC294}"/>
               </a:ext>
             </a:extLst>
           </p:cNvPr>
@@ -2699,7 +2699,7 @@
           <p:cNvPr id="7" name="灯片编号占位符 6">
             <a:extLst>
               <a:ext uri="{FF2B5EF4-FFF2-40B4-BE49-F238E27FC236}">
-                <a16:creationId xmlns:a16="http://schemas.microsoft.com/office/drawing/2014/main" id="{681E83CE-9A22-B399-3A23-E11812CD4D2D}"/>
+                <a16:creationId xmlns:a16="http://schemas.microsoft.com/office/drawing/2014/main" id="{4FA96915-2412-D5F5-4284-E16528DADF40}"/>
               </a:ext>
             </a:extLst>
           </p:cNvPr>
@@ -2715,7 +2715,7 @@
           <a:bodyPr/>
           <a:lstStyle/>
           <a:p>
-            <a:fld id="{2122470B-03C8-4559-A076-0D7DE2FC1447}" type="slidenum">
+            <a:fld id="{20C75835-88F8-405F-8895-88E550F564BE}" type="slidenum">
               <a:rPr lang="zh-CN" altLang="en-US" smtClean="0"/>
               <a:t>‹#›</a:t>
             </a:fld>
@@ -2726,7 +2726,7 @@
     </p:spTree>
     <p:extLst>
       <p:ext uri="{BB962C8B-B14F-4D97-AF65-F5344CB8AC3E}">
-        <p14:creationId xmlns:p14="http://schemas.microsoft.com/office/powerpoint/2010/main" val="1499359917"/>
+        <p14:creationId xmlns:p14="http://schemas.microsoft.com/office/powerpoint/2010/main" val="3060597660"/>
       </p:ext>
     </p:extLst>
   </p:cSld>
@@ -2763,7 +2763,7 @@
           <p:cNvPr id="2" name="标题占位符 1">
             <a:extLst>
               <a:ext uri="{FF2B5EF4-FFF2-40B4-BE49-F238E27FC236}">
-                <a16:creationId xmlns:a16="http://schemas.microsoft.com/office/drawing/2014/main" id="{3AE502BB-7E1D-EC5E-566D-18D0F6589B3B}"/>
+                <a16:creationId xmlns:a16="http://schemas.microsoft.com/office/drawing/2014/main" id="{D4B30A29-14AD-B6C6-EE3A-E519015CF542}"/>
               </a:ext>
             </a:extLst>
           </p:cNvPr>
@@ -2801,7 +2801,7 @@
           <p:cNvPr id="3" name="文本占位符 2">
             <a:extLst>
               <a:ext uri="{FF2B5EF4-FFF2-40B4-BE49-F238E27FC236}">
-                <a16:creationId xmlns:a16="http://schemas.microsoft.com/office/drawing/2014/main" id="{6C4FEB9E-F40C-9E2F-0FAD-4C2378DC7E6B}"/>
+                <a16:creationId xmlns:a16="http://schemas.microsoft.com/office/drawing/2014/main" id="{056F3D45-9E44-E1B1-248D-ECFFFA95BBE9}"/>
               </a:ext>
             </a:extLst>
           </p:cNvPr>
@@ -2868,7 +2868,7 @@
           <p:cNvPr id="4" name="日期占位符 3">
             <a:extLst>
               <a:ext uri="{FF2B5EF4-FFF2-40B4-BE49-F238E27FC236}">
-                <a16:creationId xmlns:a16="http://schemas.microsoft.com/office/drawing/2014/main" id="{C6C2F0DE-7DBA-50E0-1B75-D1F483CCB880}"/>
+                <a16:creationId xmlns:a16="http://schemas.microsoft.com/office/drawing/2014/main" id="{066C3CA3-17EA-C19F-157F-6206CFA4C80D}"/>
               </a:ext>
             </a:extLst>
           </p:cNvPr>
@@ -2902,7 +2902,7 @@
             </a:lvl1pPr>
           </a:lstStyle>
           <a:p>
-            <a:fld id="{B75C913C-A5D3-4AC5-8B81-3A90D6E1D8BF}" type="datetimeFigureOut">
+            <a:fld id="{96EEC886-9506-4088-B362-842096EBC2E3}" type="datetimeFigureOut">
               <a:rPr lang="zh-CN" altLang="en-US" smtClean="0"/>
               <a:t>2024/3/10</a:t>
             </a:fld>
@@ -2915,7 +2915,7 @@
           <p:cNvPr id="5" name="页脚占位符 4">
             <a:extLst>
               <a:ext uri="{FF2B5EF4-FFF2-40B4-BE49-F238E27FC236}">
-                <a16:creationId xmlns:a16="http://schemas.microsoft.com/office/drawing/2014/main" id="{84ABA69A-206E-5298-B7A4-82D166076998}"/>
+                <a16:creationId xmlns:a16="http://schemas.microsoft.com/office/drawing/2014/main" id="{4011FAE1-E64D-3DC2-7953-E5BF419813AB}"/>
               </a:ext>
             </a:extLst>
           </p:cNvPr>
@@ -2958,7 +2958,7 @@
           <p:cNvPr id="6" name="灯片编号占位符 5">
             <a:extLst>
               <a:ext uri="{FF2B5EF4-FFF2-40B4-BE49-F238E27FC236}">
-                <a16:creationId xmlns:a16="http://schemas.microsoft.com/office/drawing/2014/main" id="{2C01E4E3-3281-8D82-F4E9-9619C4F79BD9}"/>
+                <a16:creationId xmlns:a16="http://schemas.microsoft.com/office/drawing/2014/main" id="{33B7C57A-79A9-50BE-D5EC-32B079351050}"/>
               </a:ext>
             </a:extLst>
           </p:cNvPr>
@@ -2992,7 +2992,7 @@
             </a:lvl1pPr>
           </a:lstStyle>
           <a:p>
-            <a:fld id="{2122470B-03C8-4559-A076-0D7DE2FC1447}" type="slidenum">
+            <a:fld id="{20C75835-88F8-405F-8895-88E550F564BE}" type="slidenum">
               <a:rPr lang="zh-CN" altLang="en-US" smtClean="0"/>
               <a:t>‹#›</a:t>
             </a:fld>
@@ -3003,7 +3003,7 @@
     </p:spTree>
     <p:extLst>
       <p:ext uri="{BB962C8B-B14F-4D97-AF65-F5344CB8AC3E}">
-        <p14:creationId xmlns:p14="http://schemas.microsoft.com/office/powerpoint/2010/main" val="2247972255"/>
+        <p14:creationId xmlns:p14="http://schemas.microsoft.com/office/powerpoint/2010/main" val="138290631"/>
       </p:ext>
     </p:extLst>
   </p:cSld>
